--- a/week_11/day_01/Neural Networks.pptx
+++ b/week_11/day_01/Neural Networks.pptx
@@ -110,7 +110,41 @@
       </a:defRPr>
     </a:lvl9pPr>
   </p:defaultTextStyle>
+  <p:extLst>
+    <p:ext uri="{EFAFB233-063F-42B5-8137-9DF3F51BA10A}">
+      <p15:sldGuideLst xmlns:p15="http://schemas.microsoft.com/office/powerpoint/2012/main"/>
+    </p:ext>
+  </p:extLst>
 </p:presentation>
+</file>
+
+<file path=ppt/changesInfos/changesInfo1.xml><?xml version="1.0" encoding="utf-8"?>
+<pc:chgInfo xmlns:a="http://schemas.openxmlformats.org/drawingml/2006/main" xmlns:r="http://schemas.openxmlformats.org/officeDocument/2006/relationships" xmlns:ac="http://schemas.microsoft.com/office/drawing/2013/main/command" xmlns:pc="http://schemas.microsoft.com/office/powerpoint/2013/main/command">
+  <pc:docChgLst>
+    <pc:chgData name="Monica Kadwe" userId="bf8b126c44e0262d" providerId="LiveId" clId="{E6FB05AF-3DFC-4094-A855-E4B7B37C8FB6}"/>
+    <pc:docChg chg="modSld">
+      <pc:chgData name="Monica Kadwe" userId="bf8b126c44e0262d" providerId="LiveId" clId="{E6FB05AF-3DFC-4094-A855-E4B7B37C8FB6}" dt="2021-06-08T08:24:48.890" v="0" actId="20577"/>
+      <pc:docMkLst>
+        <pc:docMk/>
+      </pc:docMkLst>
+      <pc:sldChg chg="modSp mod">
+        <pc:chgData name="Monica Kadwe" userId="bf8b126c44e0262d" providerId="LiveId" clId="{E6FB05AF-3DFC-4094-A855-E4B7B37C8FB6}" dt="2021-06-08T08:24:48.890" v="0" actId="20577"/>
+        <pc:sldMkLst>
+          <pc:docMk/>
+          <pc:sldMk cId="4072013245" sldId="256"/>
+        </pc:sldMkLst>
+        <pc:spChg chg="mod">
+          <ac:chgData name="Monica Kadwe" userId="bf8b126c44e0262d" providerId="LiveId" clId="{E6FB05AF-3DFC-4094-A855-E4B7B37C8FB6}" dt="2021-06-08T08:24:48.890" v="0" actId="20577"/>
+          <ac:spMkLst>
+            <pc:docMk/>
+            <pc:sldMk cId="4072013245" sldId="256"/>
+            <ac:spMk id="2" creationId="{CC1B8608-2FB2-4EC2-98BC-5738F4A2F886}"/>
+          </ac:spMkLst>
+        </pc:spChg>
+      </pc:sldChg>
+    </pc:docChg>
+  </pc:docChgLst>
+</pc:chgInfo>
 </file>
 
 <file path=ppt/slideLayouts/slideLayout1.xml><?xml version="1.0" encoding="utf-8"?>
@@ -262,7 +296,7 @@
           <a:p>
             <a:fld id="{53A88E0F-7D0C-417C-B5D9-4B5B4C3ED005}" type="datetimeFigureOut">
               <a:rPr lang="en-GB" smtClean="0"/>
-              <a:t>07/06/2021</a:t>
+              <a:t>08/06/2021</a:t>
             </a:fld>
             <a:endParaRPr lang="en-GB"/>
           </a:p>
@@ -462,7 +496,7 @@
           <a:p>
             <a:fld id="{53A88E0F-7D0C-417C-B5D9-4B5B4C3ED005}" type="datetimeFigureOut">
               <a:rPr lang="en-GB" smtClean="0"/>
-              <a:t>07/06/2021</a:t>
+              <a:t>08/06/2021</a:t>
             </a:fld>
             <a:endParaRPr lang="en-GB"/>
           </a:p>
@@ -672,7 +706,7 @@
           <a:p>
             <a:fld id="{53A88E0F-7D0C-417C-B5D9-4B5B4C3ED005}" type="datetimeFigureOut">
               <a:rPr lang="en-GB" smtClean="0"/>
-              <a:t>07/06/2021</a:t>
+              <a:t>08/06/2021</a:t>
             </a:fld>
             <a:endParaRPr lang="en-GB"/>
           </a:p>
@@ -872,7 +906,7 @@
           <a:p>
             <a:fld id="{53A88E0F-7D0C-417C-B5D9-4B5B4C3ED005}" type="datetimeFigureOut">
               <a:rPr lang="en-GB" smtClean="0"/>
-              <a:t>07/06/2021</a:t>
+              <a:t>08/06/2021</a:t>
             </a:fld>
             <a:endParaRPr lang="en-GB"/>
           </a:p>
@@ -1148,7 +1182,7 @@
           <a:p>
             <a:fld id="{53A88E0F-7D0C-417C-B5D9-4B5B4C3ED005}" type="datetimeFigureOut">
               <a:rPr lang="en-GB" smtClean="0"/>
-              <a:t>07/06/2021</a:t>
+              <a:t>08/06/2021</a:t>
             </a:fld>
             <a:endParaRPr lang="en-GB"/>
           </a:p>
@@ -1416,7 +1450,7 @@
           <a:p>
             <a:fld id="{53A88E0F-7D0C-417C-B5D9-4B5B4C3ED005}" type="datetimeFigureOut">
               <a:rPr lang="en-GB" smtClean="0"/>
-              <a:t>07/06/2021</a:t>
+              <a:t>08/06/2021</a:t>
             </a:fld>
             <a:endParaRPr lang="en-GB"/>
           </a:p>
@@ -1831,7 +1865,7 @@
           <a:p>
             <a:fld id="{53A88E0F-7D0C-417C-B5D9-4B5B4C3ED005}" type="datetimeFigureOut">
               <a:rPr lang="en-GB" smtClean="0"/>
-              <a:t>07/06/2021</a:t>
+              <a:t>08/06/2021</a:t>
             </a:fld>
             <a:endParaRPr lang="en-GB"/>
           </a:p>
@@ -1973,7 +2007,7 @@
           <a:p>
             <a:fld id="{53A88E0F-7D0C-417C-B5D9-4B5B4C3ED005}" type="datetimeFigureOut">
               <a:rPr lang="en-GB" smtClean="0"/>
-              <a:t>07/06/2021</a:t>
+              <a:t>08/06/2021</a:t>
             </a:fld>
             <a:endParaRPr lang="en-GB"/>
           </a:p>
@@ -2086,7 +2120,7 @@
           <a:p>
             <a:fld id="{53A88E0F-7D0C-417C-B5D9-4B5B4C3ED005}" type="datetimeFigureOut">
               <a:rPr lang="en-GB" smtClean="0"/>
-              <a:t>07/06/2021</a:t>
+              <a:t>08/06/2021</a:t>
             </a:fld>
             <a:endParaRPr lang="en-GB"/>
           </a:p>
@@ -2399,7 +2433,7 @@
           <a:p>
             <a:fld id="{53A88E0F-7D0C-417C-B5D9-4B5B4C3ED005}" type="datetimeFigureOut">
               <a:rPr lang="en-GB" smtClean="0"/>
-              <a:t>07/06/2021</a:t>
+              <a:t>08/06/2021</a:t>
             </a:fld>
             <a:endParaRPr lang="en-GB"/>
           </a:p>
@@ -2688,7 +2722,7 @@
           <a:p>
             <a:fld id="{53A88E0F-7D0C-417C-B5D9-4B5B4C3ED005}" type="datetimeFigureOut">
               <a:rPr lang="en-GB" smtClean="0"/>
-              <a:t>07/06/2021</a:t>
+              <a:t>08/06/2021</a:t>
             </a:fld>
             <a:endParaRPr lang="en-GB"/>
           </a:p>
@@ -2931,7 +2965,7 @@
           <a:p>
             <a:fld id="{53A88E0F-7D0C-417C-B5D9-4B5B4C3ED005}" type="datetimeFigureOut">
               <a:rPr lang="en-GB" smtClean="0"/>
-              <a:t>07/06/2021</a:t>
+              <a:t>08/06/2021</a:t>
             </a:fld>
             <a:endParaRPr lang="en-GB"/>
           </a:p>
@@ -3371,7 +3405,7 @@
           <a:p>
             <a:r>
               <a:rPr lang="en-GB" dirty="0"/>
-              <a:t>Neural Networks</a:t>
+              <a:t>Neural Network</a:t>
             </a:r>
           </a:p>
         </p:txBody>
